--- a/SoPra_FS2020_Group15_Presentation.pptx
+++ b/SoPra_FS2020_Group15_Presentation.pptx
@@ -870,7 +870,7 @@
             <a:fld id="{B61BEF0D-F0BB-DE4B-95CE-6DB70DBA9567}" type="datetimeFigureOut">
               <a:rPr lang="en-US" dirty="0"/>
               <a:pPr/>
-              <a:t>3/28/2020</a:t>
+              <a:t>3/29/2020</a:t>
             </a:fld>
             <a:endParaRPr lang="en-US" dirty="0"/>
           </a:p>
@@ -1118,7 +1118,7 @@
             <a:fld id="{B61BEF0D-F0BB-DE4B-95CE-6DB70DBA9567}" type="datetimeFigureOut">
               <a:rPr lang="en-US" dirty="0"/>
               <a:pPr/>
-              <a:t>3/28/2020</a:t>
+              <a:t>3/29/2020</a:t>
             </a:fld>
             <a:endParaRPr lang="en-US" dirty="0"/>
           </a:p>
@@ -1429,7 +1429,7 @@
             <a:fld id="{B61BEF0D-F0BB-DE4B-95CE-6DB70DBA9567}" type="datetimeFigureOut">
               <a:rPr lang="en-US" dirty="0"/>
               <a:pPr/>
-              <a:t>3/28/2020</a:t>
+              <a:t>3/29/2020</a:t>
             </a:fld>
             <a:endParaRPr lang="en-US" dirty="0"/>
           </a:p>
@@ -1759,7 +1759,7 @@
             <a:fld id="{B61BEF0D-F0BB-DE4B-95CE-6DB70DBA9567}" type="datetimeFigureOut">
               <a:rPr lang="en-US" dirty="0"/>
               <a:pPr/>
-              <a:t>3/28/2020</a:t>
+              <a:t>3/29/2020</a:t>
             </a:fld>
             <a:endParaRPr lang="en-US" dirty="0"/>
           </a:p>
@@ -2070,7 +2070,7 @@
             <a:fld id="{B61BEF0D-F0BB-DE4B-95CE-6DB70DBA9567}" type="datetimeFigureOut">
               <a:rPr lang="en-US" dirty="0"/>
               <a:pPr/>
-              <a:t>3/28/2020</a:t>
+              <a:t>3/29/2020</a:t>
             </a:fld>
             <a:endParaRPr lang="en-US" dirty="0"/>
           </a:p>
@@ -2460,7 +2460,7 @@
             <a:fld id="{B61BEF0D-F0BB-DE4B-95CE-6DB70DBA9567}" type="datetimeFigureOut">
               <a:rPr lang="en-US" dirty="0"/>
               <a:pPr/>
-              <a:t>3/28/2020</a:t>
+              <a:t>3/29/2020</a:t>
             </a:fld>
             <a:endParaRPr lang="en-US" dirty="0"/>
           </a:p>
@@ -2626,7 +2626,7 @@
           <a:p>
             <a:fld id="{55C6B4A9-1611-4792-9094-5F34BCA07E0B}" type="datetimeFigureOut">
               <a:rPr lang="en-US" dirty="0"/>
-              <a:t>3/28/2020</a:t>
+              <a:t>3/29/2020</a:t>
             </a:fld>
             <a:endParaRPr lang="en-US" dirty="0"/>
           </a:p>
@@ -2802,7 +2802,7 @@
             <a:fld id="{B61BEF0D-F0BB-DE4B-95CE-6DB70DBA9567}" type="datetimeFigureOut">
               <a:rPr lang="en-US" dirty="0"/>
               <a:pPr/>
-              <a:t>3/28/2020</a:t>
+              <a:t>3/29/2020</a:t>
             </a:fld>
             <a:endParaRPr lang="en-US" dirty="0"/>
           </a:p>
@@ -2968,7 +2968,7 @@
           <a:p>
             <a:fld id="{42A54C80-263E-416B-A8E0-580EDEADCBDC}" type="datetimeFigureOut">
               <a:rPr lang="en-US" dirty="0"/>
-              <a:t>3/28/2020</a:t>
+              <a:t>3/29/2020</a:t>
             </a:fld>
             <a:endParaRPr lang="en-US" dirty="0"/>
           </a:p>
@@ -3211,7 +3211,7 @@
             <a:fld id="{B61BEF0D-F0BB-DE4B-95CE-6DB70DBA9567}" type="datetimeFigureOut">
               <a:rPr lang="en-US" dirty="0"/>
               <a:pPr/>
-              <a:t>3/28/2020</a:t>
+              <a:t>3/29/2020</a:t>
             </a:fld>
             <a:endParaRPr lang="en-US" dirty="0"/>
           </a:p>
@@ -3439,7 +3439,7 @@
           <a:p>
             <a:fld id="{42A54C80-263E-416B-A8E0-580EDEADCBDC}" type="datetimeFigureOut">
               <a:rPr lang="en-US" dirty="0"/>
-              <a:t>3/28/2020</a:t>
+              <a:t>3/29/2020</a:t>
             </a:fld>
             <a:endParaRPr lang="en-US" dirty="0"/>
           </a:p>
@@ -3809,7 +3809,7 @@
             <a:fld id="{B61BEF0D-F0BB-DE4B-95CE-6DB70DBA9567}" type="datetimeFigureOut">
               <a:rPr lang="en-US" dirty="0"/>
               <a:pPr/>
-              <a:t>3/28/2020</a:t>
+              <a:t>3/29/2020</a:t>
             </a:fld>
             <a:endParaRPr lang="en-US" dirty="0"/>
           </a:p>
@@ -3929,7 +3929,7 @@
             <a:fld id="{B61BEF0D-F0BB-DE4B-95CE-6DB70DBA9567}" type="datetimeFigureOut">
               <a:rPr lang="en-US" dirty="0"/>
               <a:pPr/>
-              <a:t>3/28/2020</a:t>
+              <a:t>3/29/2020</a:t>
             </a:fld>
             <a:endParaRPr lang="en-US" dirty="0"/>
           </a:p>
@@ -4021,7 +4021,7 @@
             <a:fld id="{B61BEF0D-F0BB-DE4B-95CE-6DB70DBA9567}" type="datetimeFigureOut">
               <a:rPr lang="en-US" dirty="0"/>
               <a:pPr/>
-              <a:t>3/28/2020</a:t>
+              <a:t>3/29/2020</a:t>
             </a:fld>
             <a:endParaRPr lang="en-US" dirty="0"/>
           </a:p>
@@ -4272,7 +4272,7 @@
           <a:p>
             <a:fld id="{42A54C80-263E-416B-A8E0-580EDEADCBDC}" type="datetimeFigureOut">
               <a:rPr lang="en-US" dirty="0"/>
-              <a:t>3/28/2020</a:t>
+              <a:t>3/29/2020</a:t>
             </a:fld>
             <a:endParaRPr lang="en-US" dirty="0"/>
           </a:p>
@@ -4574,7 +4574,7 @@
             <a:fld id="{B61BEF0D-F0BB-DE4B-95CE-6DB70DBA9567}" type="datetimeFigureOut">
               <a:rPr lang="en-US" dirty="0"/>
               <a:pPr/>
-              <a:t>3/28/2020</a:t>
+              <a:t>3/29/2020</a:t>
             </a:fld>
             <a:endParaRPr lang="en-US" dirty="0"/>
           </a:p>
@@ -5272,7 +5272,7 @@
             <a:fld id="{B61BEF0D-F0BB-DE4B-95CE-6DB70DBA9567}" type="datetimeFigureOut">
               <a:rPr lang="en-US" dirty="0"/>
               <a:pPr/>
-              <a:t>3/28/2020</a:t>
+              <a:t>3/29/2020</a:t>
             </a:fld>
             <a:endParaRPr lang="en-US" dirty="0"/>
           </a:p>
@@ -5894,7 +5894,7 @@
         <p:spPr>
           <a:xfrm>
             <a:off x="297180" y="5248676"/>
-            <a:ext cx="3314700" cy="1477328"/>
+            <a:ext cx="5894614" cy="1477328"/>
           </a:xfrm>
           <a:prstGeom prst="rect">
             <a:avLst/>
@@ -5919,9 +5919,8 @@
             <a:r>
               <a:rPr lang="en-GB" u="sng" dirty="0">
                 <a:solidFill>
-                  <a:schemeClr val="tx1">
-                    <a:lumMod val="50000"/>
-                    <a:lumOff val="50000"/>
+                  <a:schemeClr val="bg1">
+                    <a:lumMod val="65000"/>
                   </a:schemeClr>
                 </a:solidFill>
               </a:rPr>
@@ -5930,20 +5929,18 @@
             <a:r>
               <a:rPr lang="en-GB" dirty="0">
                 <a:solidFill>
-                  <a:schemeClr val="tx1">
-                    <a:lumMod val="50000"/>
-                    <a:lumOff val="50000"/>
+                  <a:schemeClr val="bg1">
+                    <a:lumMod val="65000"/>
                   </a:schemeClr>
                 </a:solidFill>
               </a:rPr>
-              <a:t>, </a:t>
+              <a:t>, 17-826-090</a:t>
             </a:r>
             <a:br>
               <a:rPr lang="en-GB" dirty="0">
                 <a:solidFill>
-                  <a:schemeClr val="tx1">
-                    <a:lumMod val="50000"/>
-                    <a:lumOff val="50000"/>
+                  <a:schemeClr val="bg1">
+                    <a:lumMod val="65000"/>
                   </a:schemeClr>
                 </a:solidFill>
               </a:rPr>
@@ -5951,20 +5948,18 @@
             <a:r>
               <a:rPr lang="en-GB" dirty="0">
                 <a:solidFill>
-                  <a:schemeClr val="tx1">
-                    <a:lumMod val="50000"/>
-                    <a:lumOff val="50000"/>
+                  <a:schemeClr val="bg1">
+                    <a:lumMod val="65000"/>
                   </a:schemeClr>
                 </a:solidFill>
               </a:rPr>
-              <a:t>Minh Phuong Vu, </a:t>
+              <a:t>Minh Phuong Vu, 18-730-788</a:t>
             </a:r>
             <a:br>
               <a:rPr lang="en-GB" dirty="0">
                 <a:solidFill>
-                  <a:schemeClr val="tx1">
-                    <a:lumMod val="50000"/>
-                    <a:lumOff val="50000"/>
+                  <a:schemeClr val="bg1">
+                    <a:lumMod val="65000"/>
                   </a:schemeClr>
                 </a:solidFill>
               </a:rPr>
@@ -5972,9 +5967,8 @@
             <a:r>
               <a:rPr lang="en-GB" u="sng" dirty="0">
                 <a:solidFill>
-                  <a:schemeClr val="tx1">
-                    <a:lumMod val="50000"/>
-                    <a:lumOff val="50000"/>
+                  <a:schemeClr val="bg1">
+                    <a:lumMod val="65000"/>
                   </a:schemeClr>
                 </a:solidFill>
               </a:rPr>
@@ -5983,9 +5977,8 @@
             <a:r>
               <a:rPr lang="en-GB" u="sng" dirty="0" err="1">
                 <a:solidFill>
-                  <a:schemeClr val="tx1">
-                    <a:lumMod val="50000"/>
-                    <a:lumOff val="50000"/>
+                  <a:schemeClr val="bg1">
+                    <a:lumMod val="65000"/>
                   </a:schemeClr>
                 </a:solidFill>
               </a:rPr>
@@ -5994,9 +5987,8 @@
             <a:r>
               <a:rPr lang="en-GB" u="sng" dirty="0">
                 <a:solidFill>
-                  <a:schemeClr val="tx1">
-                    <a:lumMod val="50000"/>
-                    <a:lumOff val="50000"/>
+                  <a:schemeClr val="bg1">
+                    <a:lumMod val="65000"/>
                   </a:schemeClr>
                 </a:solidFill>
               </a:rPr>
@@ -6005,9 +5997,8 @@
             <a:r>
               <a:rPr lang="en-GB" u="sng" dirty="0" err="1">
                 <a:solidFill>
-                  <a:schemeClr val="tx1">
-                    <a:lumMod val="50000"/>
-                    <a:lumOff val="50000"/>
+                  <a:schemeClr val="bg1">
+                    <a:lumMod val="65000"/>
                   </a:schemeClr>
                 </a:solidFill>
               </a:rPr>
@@ -6016,20 +6007,18 @@
             <a:r>
               <a:rPr lang="en-GB" dirty="0">
                 <a:solidFill>
-                  <a:schemeClr val="tx1">
-                    <a:lumMod val="50000"/>
-                    <a:lumOff val="50000"/>
+                  <a:schemeClr val="bg1">
+                    <a:lumMod val="65000"/>
                   </a:schemeClr>
                 </a:solidFill>
               </a:rPr>
-              <a:t>, </a:t>
+              <a:t>, 18-705-434</a:t>
             </a:r>
             <a:br>
               <a:rPr lang="en-GB" dirty="0">
                 <a:solidFill>
-                  <a:schemeClr val="tx1">
-                    <a:lumMod val="50000"/>
-                    <a:lumOff val="50000"/>
+                  <a:schemeClr val="bg1">
+                    <a:lumMod val="65000"/>
                   </a:schemeClr>
                 </a:solidFill>
               </a:rPr>
@@ -6037,20 +6026,18 @@
             <a:r>
               <a:rPr lang="en-GB" dirty="0">
                 <a:solidFill>
-                  <a:schemeClr val="tx1">
-                    <a:lumMod val="50000"/>
-                    <a:lumOff val="50000"/>
+                  <a:schemeClr val="bg1">
+                    <a:lumMod val="65000"/>
                   </a:schemeClr>
                 </a:solidFill>
               </a:rPr>
-              <a:t>Jordan Cedeño, </a:t>
+              <a:t>Jordan Cedeño, 14-713-440</a:t>
             </a:r>
             <a:br>
               <a:rPr lang="en-GB" dirty="0">
                 <a:solidFill>
-                  <a:schemeClr val="tx1">
-                    <a:lumMod val="50000"/>
-                    <a:lumOff val="50000"/>
+                  <a:schemeClr val="bg1">
+                    <a:lumMod val="65000"/>
                   </a:schemeClr>
                 </a:solidFill>
               </a:rPr>
@@ -6058,9 +6045,8 @@
             <a:r>
               <a:rPr lang="en-GB" dirty="0">
                 <a:solidFill>
-                  <a:schemeClr val="tx1">
-                    <a:lumMod val="50000"/>
-                    <a:lumOff val="50000"/>
+                  <a:schemeClr val="bg1">
+                    <a:lumMod val="65000"/>
                   </a:schemeClr>
                 </a:solidFill>
               </a:rPr>
@@ -6069,19 +6055,27 @@
             <a:r>
               <a:rPr lang="en-GB" dirty="0" err="1">
                 <a:solidFill>
-                  <a:schemeClr val="tx1">
-                    <a:lumMod val="50000"/>
-                    <a:lumOff val="50000"/>
+                  <a:schemeClr val="bg1">
+                    <a:lumMod val="65000"/>
                   </a:schemeClr>
                 </a:solidFill>
               </a:rPr>
               <a:t>Haemmerli</a:t>
             </a:r>
+            <a:r>
+              <a:rPr lang="en-GB" dirty="0">
+                <a:solidFill>
+                  <a:schemeClr val="bg1">
+                    <a:lumMod val="65000"/>
+                  </a:schemeClr>
+                </a:solidFill>
+              </a:rPr>
+              <a:t>, 17-714-593</a:t>
+            </a:r>
             <a:endParaRPr lang="de-DE" dirty="0">
               <a:solidFill>
-                <a:schemeClr val="tx1">
-                  <a:lumMod val="50000"/>
-                  <a:lumOff val="50000"/>
+                <a:schemeClr val="bg1">
+                  <a:lumMod val="65000"/>
                 </a:schemeClr>
               </a:solidFill>
             </a:endParaRPr>
